--- a/Scrap-Vend docs/ppt/sem_4_1/sem_4_V2.pptx
+++ b/Scrap-Vend docs/ppt/sem_4_1/sem_4_V2.pptx
@@ -8,9 +8,9 @@
     <p:sldId id="256" r:id="rId2"/>
     <p:sldId id="257" r:id="rId3"/>
     <p:sldId id="258" r:id="rId4"/>
-    <p:sldId id="259" r:id="rId5"/>
+    <p:sldId id="261" r:id="rId5"/>
     <p:sldId id="260" r:id="rId6"/>
-    <p:sldId id="261" r:id="rId7"/>
+    <p:sldId id="259" r:id="rId7"/>
     <p:sldId id="262" r:id="rId8"/>
     <p:sldId id="263" r:id="rId9"/>
   </p:sldIdLst>
@@ -111,6 +111,11 @@
       </a:defRPr>
     </a:lvl9pPr>
   </p:defaultTextStyle>
+  <p:extLst>
+    <p:ext uri="{EFAFB233-063F-42B5-8137-9DF3F51BA10A}">
+      <p15:sldGuideLst xmlns:p15="http://schemas.microsoft.com/office/powerpoint/2012/main"/>
+    </p:ext>
+  </p:extLst>
 </p:presentation>
 </file>
 
@@ -147,7 +152,7 @@
           <a:lstStyle/>
           <a:p>
             <a:r>
-              <a:rPr lang="en-US" smtClean="0"/>
+              <a:rPr lang="en-US"/>
               <a:t>Click to edit Master title style</a:t>
             </a:r>
             <a:endParaRPr lang="en-IN"/>
@@ -171,7 +176,7 @@
           <a:p>
             <a:fld id="{B7DE2453-6EE6-4F46-B585-648FE017336A}" type="datetimeFigureOut">
               <a:rPr lang="en-IN" smtClean="0"/>
-              <a:t>07-04-2020</a:t>
+              <a:t>26-10-2020</a:t>
             </a:fld>
             <a:endParaRPr lang="en-IN"/>
           </a:p>
@@ -280,7 +285,7 @@
           <a:lstStyle/>
           <a:p>
             <a:r>
-              <a:rPr lang="en-US" smtClean="0"/>
+              <a:rPr lang="en-US"/>
               <a:t>Click to edit Master title style</a:t>
             </a:r>
             <a:endParaRPr lang="en-IN"/>
@@ -314,35 +319,35 @@
           <a:p>
             <a:pPr lvl="0"/>
             <a:r>
-              <a:rPr lang="en-US" smtClean="0"/>
+              <a:rPr lang="en-US"/>
               <a:t>Edit Master text styles</a:t>
             </a:r>
           </a:p>
           <a:p>
             <a:pPr lvl="1"/>
             <a:r>
-              <a:rPr lang="en-US" smtClean="0"/>
+              <a:rPr lang="en-US"/>
               <a:t>Second level</a:t>
             </a:r>
           </a:p>
           <a:p>
             <a:pPr lvl="2"/>
             <a:r>
-              <a:rPr lang="en-US" smtClean="0"/>
+              <a:rPr lang="en-US"/>
               <a:t>Third level</a:t>
             </a:r>
           </a:p>
           <a:p>
             <a:pPr lvl="3"/>
             <a:r>
-              <a:rPr lang="en-US" smtClean="0"/>
+              <a:rPr lang="en-US"/>
               <a:t>Fourth level</a:t>
             </a:r>
           </a:p>
           <a:p>
             <a:pPr lvl="4"/>
             <a:r>
-              <a:rPr lang="en-US" smtClean="0"/>
+              <a:rPr lang="en-US"/>
               <a:t>Fifth level</a:t>
             </a:r>
             <a:endParaRPr lang="en-IN"/>
@@ -384,7 +389,7 @@
           <a:p>
             <a:fld id="{B7DE2453-6EE6-4F46-B585-648FE017336A}" type="datetimeFigureOut">
               <a:rPr lang="en-IN" smtClean="0"/>
-              <a:t>07-04-2020</a:t>
+              <a:t>26-10-2020</a:t>
             </a:fld>
             <a:endParaRPr lang="en-IN"/>
           </a:p>
@@ -890,7 +895,7 @@
           <a:lstStyle/>
           <a:p>
             <a:r>
-              <a:rPr lang="en-US" u="sng" smtClean="0"/>
+              <a:rPr lang="en-US" u="sng"/>
               <a:t>TABLE OF CONTENT</a:t>
             </a:r>
             <a:endParaRPr lang="en-US" u="sng" dirty="0"/>
@@ -1063,8 +1068,8 @@
           <a:lstStyle/>
           <a:p>
             <a:r>
-              <a:rPr lang="en-US" smtClean="0"/>
-              <a:t>ADMIN MODULE</a:t>
+              <a:rPr lang="en-US"/>
+              <a:t>PICKUP PERSON MODULE</a:t>
             </a:r>
             <a:endParaRPr lang="en-US" dirty="0"/>
           </a:p>
@@ -1095,7 +1100,7 @@
     </p:spTree>
     <p:extLst>
       <p:ext uri="{BB962C8B-B14F-4D97-AF65-F5344CB8AC3E}">
-        <p14:creationId xmlns:p14="http://schemas.microsoft.com/office/powerpoint/2010/main" val="1764992168"/>
+        <p14:creationId xmlns:p14="http://schemas.microsoft.com/office/powerpoint/2010/main" val="607456623"/>
       </p:ext>
     </p:extLst>
   </p:cSld>
@@ -1103,7 +1108,7 @@
     <a:masterClrMapping/>
   </p:clrMapOvr>
   <p:transition spd="slow" advTm="2000">
-    <p:push dir="u"/>
+    <p:push dir="r"/>
   </p:transition>
 </p:sld>
 </file>
@@ -1147,7 +1152,7 @@
           <a:lstStyle/>
           <a:p>
             <a:r>
-              <a:rPr lang="en-US" sz="2400" smtClean="0"/>
+              <a:rPr lang="en-US" sz="2400"/>
               <a:t>USER MODULE</a:t>
             </a:r>
             <a:endParaRPr lang="en-US" sz="2400" dirty="0"/>
@@ -1231,8 +1236,8 @@
           <a:lstStyle/>
           <a:p>
             <a:r>
-              <a:rPr lang="en-US" smtClean="0"/>
-              <a:t>PICKUP PERSON MODULE</a:t>
+              <a:rPr lang="en-US"/>
+              <a:t>ADMIN MODULE</a:t>
             </a:r>
             <a:endParaRPr lang="en-US" dirty="0"/>
           </a:p>
@@ -1263,7 +1268,7 @@
     </p:spTree>
     <p:extLst>
       <p:ext uri="{BB962C8B-B14F-4D97-AF65-F5344CB8AC3E}">
-        <p14:creationId xmlns:p14="http://schemas.microsoft.com/office/powerpoint/2010/main" val="607456623"/>
+        <p14:creationId xmlns:p14="http://schemas.microsoft.com/office/powerpoint/2010/main" val="1764992168"/>
       </p:ext>
     </p:extLst>
   </p:cSld>
@@ -1271,7 +1276,7 @@
     <a:masterClrMapping/>
   </p:clrMapOvr>
   <p:transition spd="slow" advTm="2000">
-    <p:push dir="r"/>
+    <p:push dir="u"/>
   </p:transition>
 </p:sld>
 </file>
@@ -1315,7 +1320,7 @@
           <a:lstStyle/>
           <a:p>
             <a:r>
-              <a:rPr lang="en-US" smtClean="0"/>
+              <a:rPr lang="en-US"/>
               <a:t>REFERENCES</a:t>
             </a:r>
             <a:endParaRPr lang="en-US" dirty="0"/>
